--- a/2018년 웹페이지 작업/사업 영역.pptx
+++ b/2018년 웹페이지 작업/사업 영역.pptx
@@ -245,7 +245,7 @@
           <a:p>
             <a:fld id="{7FF31467-9F25-418F-8005-740F97194C4B}" type="datetimeFigureOut">
               <a:rPr lang="ko-KR" altLang="en-US" smtClean="0"/>
-              <a:t>2018-07-16</a:t>
+              <a:t>2018-07-30</a:t>
             </a:fld>
             <a:endParaRPr lang="ko-KR" altLang="en-US"/>
           </a:p>
@@ -413,7 +413,7 @@
           <a:p>
             <a:fld id="{7FF31467-9F25-418F-8005-740F97194C4B}" type="datetimeFigureOut">
               <a:rPr lang="ko-KR" altLang="en-US" smtClean="0"/>
-              <a:t>2018-07-16</a:t>
+              <a:t>2018-07-30</a:t>
             </a:fld>
             <a:endParaRPr lang="ko-KR" altLang="en-US"/>
           </a:p>
@@ -591,7 +591,7 @@
           <a:p>
             <a:fld id="{7FF31467-9F25-418F-8005-740F97194C4B}" type="datetimeFigureOut">
               <a:rPr lang="ko-KR" altLang="en-US" smtClean="0"/>
-              <a:t>2018-07-16</a:t>
+              <a:t>2018-07-30</a:t>
             </a:fld>
             <a:endParaRPr lang="ko-KR" altLang="en-US"/>
           </a:p>
@@ -759,7 +759,7 @@
           <a:p>
             <a:fld id="{7FF31467-9F25-418F-8005-740F97194C4B}" type="datetimeFigureOut">
               <a:rPr lang="ko-KR" altLang="en-US" smtClean="0"/>
-              <a:t>2018-07-16</a:t>
+              <a:t>2018-07-30</a:t>
             </a:fld>
             <a:endParaRPr lang="ko-KR" altLang="en-US"/>
           </a:p>
@@ -1004,7 +1004,7 @@
           <a:p>
             <a:fld id="{7FF31467-9F25-418F-8005-740F97194C4B}" type="datetimeFigureOut">
               <a:rPr lang="ko-KR" altLang="en-US" smtClean="0"/>
-              <a:t>2018-07-16</a:t>
+              <a:t>2018-07-30</a:t>
             </a:fld>
             <a:endParaRPr lang="ko-KR" altLang="en-US"/>
           </a:p>
@@ -1233,7 +1233,7 @@
           <a:p>
             <a:fld id="{7FF31467-9F25-418F-8005-740F97194C4B}" type="datetimeFigureOut">
               <a:rPr lang="ko-KR" altLang="en-US" smtClean="0"/>
-              <a:t>2018-07-16</a:t>
+              <a:t>2018-07-30</a:t>
             </a:fld>
             <a:endParaRPr lang="ko-KR" altLang="en-US"/>
           </a:p>
@@ -1597,7 +1597,7 @@
           <a:p>
             <a:fld id="{7FF31467-9F25-418F-8005-740F97194C4B}" type="datetimeFigureOut">
               <a:rPr lang="ko-KR" altLang="en-US" smtClean="0"/>
-              <a:t>2018-07-16</a:t>
+              <a:t>2018-07-30</a:t>
             </a:fld>
             <a:endParaRPr lang="ko-KR" altLang="en-US"/>
           </a:p>
@@ -1714,7 +1714,7 @@
           <a:p>
             <a:fld id="{7FF31467-9F25-418F-8005-740F97194C4B}" type="datetimeFigureOut">
               <a:rPr lang="ko-KR" altLang="en-US" smtClean="0"/>
-              <a:t>2018-07-16</a:t>
+              <a:t>2018-07-30</a:t>
             </a:fld>
             <a:endParaRPr lang="ko-KR" altLang="en-US"/>
           </a:p>
@@ -1809,7 +1809,7 @@
           <a:p>
             <a:fld id="{7FF31467-9F25-418F-8005-740F97194C4B}" type="datetimeFigureOut">
               <a:rPr lang="ko-KR" altLang="en-US" smtClean="0"/>
-              <a:t>2018-07-16</a:t>
+              <a:t>2018-07-30</a:t>
             </a:fld>
             <a:endParaRPr lang="ko-KR" altLang="en-US"/>
           </a:p>
@@ -2084,7 +2084,7 @@
           <a:p>
             <a:fld id="{7FF31467-9F25-418F-8005-740F97194C4B}" type="datetimeFigureOut">
               <a:rPr lang="ko-KR" altLang="en-US" smtClean="0"/>
-              <a:t>2018-07-16</a:t>
+              <a:t>2018-07-30</a:t>
             </a:fld>
             <a:endParaRPr lang="ko-KR" altLang="en-US"/>
           </a:p>
@@ -2336,7 +2336,7 @@
           <a:p>
             <a:fld id="{7FF31467-9F25-418F-8005-740F97194C4B}" type="datetimeFigureOut">
               <a:rPr lang="ko-KR" altLang="en-US" smtClean="0"/>
-              <a:t>2018-07-16</a:t>
+              <a:t>2018-07-30</a:t>
             </a:fld>
             <a:endParaRPr lang="ko-KR" altLang="en-US"/>
           </a:p>
@@ -2547,7 +2547,7 @@
           <a:p>
             <a:fld id="{7FF31467-9F25-418F-8005-740F97194C4B}" type="datetimeFigureOut">
               <a:rPr lang="ko-KR" altLang="en-US" smtClean="0"/>
-              <a:t>2018-07-16</a:t>
+              <a:t>2018-07-30</a:t>
             </a:fld>
             <a:endParaRPr lang="ko-KR" altLang="en-US"/>
           </a:p>
@@ -4475,18 +4475,10 @@
           <a:lstStyle/>
           <a:p>
             <a:r>
-              <a:rPr lang="en-US" altLang="ko-KR" dirty="0">
-                <a:highlight>
-                  <a:srgbClr val="FFFF00"/>
-                </a:highlight>
-              </a:rPr>
+              <a:rPr lang="en-US" altLang="ko-KR" dirty="0"/>
               <a:t>Maintenance</a:t>
             </a:r>
-            <a:endParaRPr lang="ko-KR" altLang="en-US" dirty="0">
-              <a:highlight>
-                <a:srgbClr val="FFFF00"/>
-              </a:highlight>
-            </a:endParaRPr>
+            <a:endParaRPr lang="ko-KR" altLang="en-US" dirty="0"/>
           </a:p>
         </p:txBody>
       </p:sp>
@@ -4523,9 +4515,6 @@
             </a:pPr>
             <a:r>
               <a:rPr lang="en-US" altLang="ko-KR" sz="1400" dirty="0">
-                <a:highlight>
-                  <a:srgbClr val="FFFF00"/>
-                </a:highlight>
                 <a:latin typeface="+mn-ea"/>
               </a:rPr>
               <a:t>Upgrade</a:t>
@@ -4538,9 +4527,6 @@
             </a:pPr>
             <a:r>
               <a:rPr lang="en-US" altLang="ko-KR" sz="1400" dirty="0">
-                <a:highlight>
-                  <a:srgbClr val="FFFF00"/>
-                </a:highlight>
                 <a:latin typeface="+mn-ea"/>
               </a:rPr>
               <a:t>Maintenance</a:t>
@@ -4552,9 +4538,6 @@
               <a:buChar char="•"/>
             </a:pPr>
             <a:endParaRPr lang="en-US" altLang="ko-KR" sz="1400" dirty="0">
-              <a:highlight>
-                <a:srgbClr val="FFFF00"/>
-              </a:highlight>
               <a:latin typeface="+mn-ea"/>
             </a:endParaRPr>
           </a:p>
@@ -5798,9 +5781,6 @@
           <a:p>
             <a:r>
               <a:rPr lang="en-US" altLang="ko-KR" sz="1600" dirty="0" err="1">
-                <a:highlight>
-                  <a:srgbClr val="FFFF00"/>
-                </a:highlight>
                 <a:latin typeface="굴림" panose="020B0600000101010101" pitchFamily="50" charset="-127"/>
                 <a:ea typeface="굴림" panose="020B0600000101010101" pitchFamily="50" charset="-127"/>
               </a:rPr>
@@ -5808,19 +5788,13 @@
             </a:r>
             <a:r>
               <a:rPr lang="ko-KR" altLang="en-US" sz="1600" dirty="0">
-                <a:highlight>
-                  <a:srgbClr val="FFFF00"/>
-                </a:highlight>
                 <a:latin typeface="굴림" panose="020B0600000101010101" pitchFamily="50" charset="-127"/>
                 <a:ea typeface="굴림" panose="020B0600000101010101" pitchFamily="50" charset="-127"/>
               </a:rPr>
-              <a:t>는 </a:t>
+              <a:t>는 현장에서 필요한 </a:t>
             </a:r>
             <a:r>
               <a:rPr lang="ko-KR" altLang="en-US" sz="1600" dirty="0" err="1">
-                <a:highlight>
-                  <a:srgbClr val="FFFF00"/>
-                </a:highlight>
                 <a:latin typeface="굴림" panose="020B0600000101010101" pitchFamily="50" charset="-127"/>
                 <a:ea typeface="굴림" panose="020B0600000101010101" pitchFamily="50" charset="-127"/>
               </a:rPr>
@@ -5828,19 +5802,13 @@
             </a:r>
             <a:r>
               <a:rPr lang="ko-KR" altLang="en-US" sz="1600" dirty="0">
-                <a:highlight>
-                  <a:srgbClr val="FFFF00"/>
-                </a:highlight>
                 <a:latin typeface="굴림" panose="020B0600000101010101" pitchFamily="50" charset="-127"/>
                 <a:ea typeface="굴림" panose="020B0600000101010101" pitchFamily="50" charset="-127"/>
               </a:rPr>
-              <a:t> 제공하며</a:t>
+              <a:t> 맞춤 제공하며</a:t>
             </a:r>
             <a:r>
               <a:rPr lang="en-US" altLang="ko-KR" sz="1600" dirty="0">
-                <a:highlight>
-                  <a:srgbClr val="FFFF00"/>
-                </a:highlight>
                 <a:latin typeface="굴림" panose="020B0600000101010101" pitchFamily="50" charset="-127"/>
                 <a:ea typeface="굴림" panose="020B0600000101010101" pitchFamily="50" charset="-127"/>
               </a:rPr>
@@ -5848,9 +5816,6 @@
             </a:r>
             <a:r>
               <a:rPr lang="ko-KR" altLang="en-US" sz="1600" dirty="0">
-                <a:highlight>
-                  <a:srgbClr val="FFFF00"/>
-                </a:highlight>
                 <a:latin typeface="굴림" panose="020B0600000101010101" pitchFamily="50" charset="-127"/>
                 <a:ea typeface="굴림" panose="020B0600000101010101" pitchFamily="50" charset="-127"/>
               </a:rPr>
@@ -5858,9 +5823,6 @@
             </a:r>
             <a:r>
               <a:rPr lang="en-US" altLang="ko-KR" sz="1600" dirty="0">
-                <a:highlight>
-                  <a:srgbClr val="FFFF00"/>
-                </a:highlight>
                 <a:latin typeface="굴림" panose="020B0600000101010101" pitchFamily="50" charset="-127"/>
                 <a:ea typeface="굴림" panose="020B0600000101010101" pitchFamily="50" charset="-127"/>
               </a:rPr>
@@ -5868,29 +5830,20 @@
             </a:r>
             <a:r>
               <a:rPr lang="ko-KR" altLang="en-US" sz="1600" dirty="0">
-                <a:highlight>
-                  <a:srgbClr val="FFFF00"/>
-                </a:highlight>
                 <a:latin typeface="굴림" panose="020B0600000101010101" pitchFamily="50" charset="-127"/>
                 <a:ea typeface="굴림" panose="020B0600000101010101" pitchFamily="50" charset="-127"/>
               </a:rPr>
-              <a:t>로 변환하면서</a:t>
+              <a:t>로 변환 및</a:t>
             </a:r>
             <a:r>
               <a:rPr lang="en-US" altLang="ko-KR" sz="1600" dirty="0">
-                <a:highlight>
-                  <a:srgbClr val="FFFF00"/>
-                </a:highlight>
                 <a:latin typeface="굴림" panose="020B0600000101010101" pitchFamily="50" charset="-127"/>
                 <a:ea typeface="굴림" panose="020B0600000101010101" pitchFamily="50" charset="-127"/>
               </a:rPr>
-              <a:t>, </a:t>
+              <a:t> </a:t>
             </a:r>
             <a:r>
               <a:rPr lang="ko-KR" altLang="en-US" sz="1600" dirty="0">
-                <a:highlight>
-                  <a:srgbClr val="FFFF00"/>
-                </a:highlight>
                 <a:latin typeface="굴림" panose="020B0600000101010101" pitchFamily="50" charset="-127"/>
                 <a:ea typeface="굴림" panose="020B0600000101010101" pitchFamily="50" charset="-127"/>
               </a:rPr>
@@ -5898,9 +5851,6 @@
             </a:r>
             <a:r>
               <a:rPr lang="en-US" altLang="ko-KR" sz="1600" dirty="0">
-                <a:highlight>
-                  <a:srgbClr val="FFFF00"/>
-                </a:highlight>
                 <a:latin typeface="굴림" panose="020B0600000101010101" pitchFamily="50" charset="-127"/>
                 <a:ea typeface="굴림" panose="020B0600000101010101" pitchFamily="50" charset="-127"/>
               </a:rPr>
@@ -5908,9 +5858,6 @@
             </a:r>
             <a:r>
               <a:rPr lang="ko-KR" altLang="en-US" sz="1600" dirty="0">
-                <a:highlight>
-                  <a:srgbClr val="FFFF00"/>
-                </a:highlight>
                 <a:latin typeface="굴림" panose="020B0600000101010101" pitchFamily="50" charset="-127"/>
                 <a:ea typeface="굴림" panose="020B0600000101010101" pitchFamily="50" charset="-127"/>
               </a:rPr>
@@ -5918,18 +5865,12 @@
             </a:r>
             <a:r>
               <a:rPr lang="en-US" altLang="ko-KR" sz="1600" dirty="0">
-                <a:highlight>
-                  <a:srgbClr val="FFFF00"/>
-                </a:highlight>
                 <a:latin typeface="굴림" panose="020B0600000101010101" pitchFamily="50" charset="-127"/>
                 <a:ea typeface="굴림" panose="020B0600000101010101" pitchFamily="50" charset="-127"/>
               </a:rPr>
               <a:t>.</a:t>
             </a:r>
             <a:endParaRPr lang="ko-KR" altLang="en-US" sz="1600" dirty="0">
-              <a:highlight>
-                <a:srgbClr val="FFFF00"/>
-              </a:highlight>
               <a:latin typeface="굴림" panose="020B0600000101010101" pitchFamily="50" charset="-127"/>
               <a:ea typeface="굴림" panose="020B0600000101010101" pitchFamily="50" charset="-127"/>
             </a:endParaRPr>
